--- a/6) KOSMO_77기_개발 4팀_일정관리_형상관리_활용_종합보고서.pptx
+++ b/6) KOSMO_77기_개발 4팀_일정관리_형상관리_활용_종합보고서.pptx
@@ -14,7 +14,6 @@
     <p:sldId id="262" r:id="rId8"/>
     <p:sldId id="264" r:id="rId9"/>
     <p:sldId id="265" r:id="rId10"/>
-    <p:sldId id="266" r:id="rId11"/>
   </p:sldIdLst>
   <p:sldSz cx="9144000" cy="6858000" type="screen4x3"/>
   <p:notesSz cx="6858000" cy="9144000"/>
@@ -312,7 +311,7 @@
             <a:fld id="{3043414A-E12B-44ED-AF2F-470187DD60AF}" type="datetimeFigureOut">
               <a:rPr lang="ko-KR" altLang="en-US" smtClean="0"/>
               <a:pPr/>
-              <a:t>2021-04-08</a:t>
+              <a:t>2021-04-09</a:t>
             </a:fld>
             <a:endParaRPr lang="ko-KR" altLang="en-US"/>
           </a:p>
@@ -482,7 +481,7 @@
             <a:fld id="{3043414A-E12B-44ED-AF2F-470187DD60AF}" type="datetimeFigureOut">
               <a:rPr lang="ko-KR" altLang="en-US" smtClean="0"/>
               <a:pPr/>
-              <a:t>2021-04-08</a:t>
+              <a:t>2021-04-09</a:t>
             </a:fld>
             <a:endParaRPr lang="ko-KR" altLang="en-US"/>
           </a:p>
@@ -662,7 +661,7 @@
             <a:fld id="{3043414A-E12B-44ED-AF2F-470187DD60AF}" type="datetimeFigureOut">
               <a:rPr lang="ko-KR" altLang="en-US" smtClean="0"/>
               <a:pPr/>
-              <a:t>2021-04-08</a:t>
+              <a:t>2021-04-09</a:t>
             </a:fld>
             <a:endParaRPr lang="ko-KR" altLang="en-US"/>
           </a:p>
@@ -832,7 +831,7 @@
             <a:fld id="{3043414A-E12B-44ED-AF2F-470187DD60AF}" type="datetimeFigureOut">
               <a:rPr lang="ko-KR" altLang="en-US" smtClean="0"/>
               <a:pPr/>
-              <a:t>2021-04-08</a:t>
+              <a:t>2021-04-09</a:t>
             </a:fld>
             <a:endParaRPr lang="ko-KR" altLang="en-US"/>
           </a:p>
@@ -1079,7 +1078,7 @@
             <a:fld id="{3043414A-E12B-44ED-AF2F-470187DD60AF}" type="datetimeFigureOut">
               <a:rPr lang="ko-KR" altLang="en-US" smtClean="0"/>
               <a:pPr/>
-              <a:t>2021-04-08</a:t>
+              <a:t>2021-04-09</a:t>
             </a:fld>
             <a:endParaRPr lang="ko-KR" altLang="en-US"/>
           </a:p>
@@ -1366,7 +1365,7 @@
             <a:fld id="{3043414A-E12B-44ED-AF2F-470187DD60AF}" type="datetimeFigureOut">
               <a:rPr lang="ko-KR" altLang="en-US" smtClean="0"/>
               <a:pPr/>
-              <a:t>2021-04-08</a:t>
+              <a:t>2021-04-09</a:t>
             </a:fld>
             <a:endParaRPr lang="ko-KR" altLang="en-US"/>
           </a:p>
@@ -1787,7 +1786,7 @@
             <a:fld id="{3043414A-E12B-44ED-AF2F-470187DD60AF}" type="datetimeFigureOut">
               <a:rPr lang="ko-KR" altLang="en-US" smtClean="0"/>
               <a:pPr/>
-              <a:t>2021-04-08</a:t>
+              <a:t>2021-04-09</a:t>
             </a:fld>
             <a:endParaRPr lang="ko-KR" altLang="en-US"/>
           </a:p>
@@ -1906,7 +1905,7 @@
             <a:fld id="{3043414A-E12B-44ED-AF2F-470187DD60AF}" type="datetimeFigureOut">
               <a:rPr lang="ko-KR" altLang="en-US" smtClean="0"/>
               <a:pPr/>
-              <a:t>2021-04-08</a:t>
+              <a:t>2021-04-09</a:t>
             </a:fld>
             <a:endParaRPr lang="ko-KR" altLang="en-US"/>
           </a:p>
@@ -2003,7 +2002,7 @@
             <a:fld id="{3043414A-E12B-44ED-AF2F-470187DD60AF}" type="datetimeFigureOut">
               <a:rPr lang="ko-KR" altLang="en-US" smtClean="0"/>
               <a:pPr/>
-              <a:t>2021-04-08</a:t>
+              <a:t>2021-04-09</a:t>
             </a:fld>
             <a:endParaRPr lang="ko-KR" altLang="en-US"/>
           </a:p>
@@ -2280,7 +2279,7 @@
             <a:fld id="{3043414A-E12B-44ED-AF2F-470187DD60AF}" type="datetimeFigureOut">
               <a:rPr lang="ko-KR" altLang="en-US" smtClean="0"/>
               <a:pPr/>
-              <a:t>2021-04-08</a:t>
+              <a:t>2021-04-09</a:t>
             </a:fld>
             <a:endParaRPr lang="ko-KR" altLang="en-US"/>
           </a:p>
@@ -2534,7 +2533,7 @@
             <a:fld id="{3043414A-E12B-44ED-AF2F-470187DD60AF}" type="datetimeFigureOut">
               <a:rPr lang="ko-KR" altLang="en-US" smtClean="0"/>
               <a:pPr/>
-              <a:t>2021-04-08</a:t>
+              <a:t>2021-04-09</a:t>
             </a:fld>
             <a:endParaRPr lang="ko-KR" altLang="en-US"/>
           </a:p>
@@ -2747,7 +2746,7 @@
             <a:fld id="{3043414A-E12B-44ED-AF2F-470187DD60AF}" type="datetimeFigureOut">
               <a:rPr lang="ko-KR" altLang="en-US" smtClean="0"/>
               <a:pPr/>
-              <a:t>2021-04-08</a:t>
+              <a:t>2021-04-09</a:t>
             </a:fld>
             <a:endParaRPr lang="ko-KR" altLang="en-US"/>
           </a:p>
@@ -3530,310 +3529,6 @@
 </p:sld>
 </file>
 
-<file path=ppt/slides/slide10.xml><?xml version="1.0" encoding="utf-8"?>
-<p:sld xmlns:a="http://schemas.openxmlformats.org/drawingml/2006/main" xmlns:r="http://schemas.openxmlformats.org/officeDocument/2006/relationships" xmlns:p="http://schemas.openxmlformats.org/presentationml/2006/main">
-  <p:cSld>
-    <p:spTree>
-      <p:nvGrpSpPr>
-        <p:cNvPr id="1" name=""/>
-        <p:cNvGrpSpPr/>
-        <p:nvPr/>
-      </p:nvGrpSpPr>
-      <p:grpSpPr>
-        <a:xfrm>
-          <a:off x="0" y="0"/>
-          <a:ext cx="0" cy="0"/>
-          <a:chOff x="0" y="0"/>
-          <a:chExt cx="0" cy="0"/>
-        </a:xfrm>
-      </p:grpSpPr>
-      <p:sp>
-        <p:nvSpPr>
-          <p:cNvPr id="18" name="TextBox 17">
-            <a:extLst>
-              <a:ext uri="{FF2B5EF4-FFF2-40B4-BE49-F238E27FC236}">
-                <a16:creationId xmlns:a16="http://schemas.microsoft.com/office/drawing/2014/main" id="{D7B7EE40-BAD9-4569-9BF6-F6E9ACA78A3C}"/>
-              </a:ext>
-            </a:extLst>
-          </p:cNvPr>
-          <p:cNvSpPr txBox="1"/>
-          <p:nvPr/>
-        </p:nvSpPr>
-        <p:spPr>
-          <a:xfrm>
-            <a:off x="110272" y="71414"/>
-            <a:ext cx="4247414" cy="553998"/>
-          </a:xfrm>
-          <a:prstGeom prst="rect">
-            <a:avLst/>
-          </a:prstGeom>
-          <a:noFill/>
-        </p:spPr>
-        <p:txBody>
-          <a:bodyPr wrap="square" rtlCol="0" anchor="ctr">
-            <a:spAutoFit/>
-          </a:bodyPr>
-          <a:lstStyle/>
-          <a:p>
-            <a:pPr algn="ctr">
-              <a:lnSpc>
-                <a:spcPct val="150000"/>
-              </a:lnSpc>
-            </a:pPr>
-            <a:r>
-              <a:rPr lang="ko-KR" altLang="en-US" sz="2000" b="1" dirty="0">
-                <a:ln>
-                  <a:solidFill>
-                    <a:schemeClr val="tx1">
-                      <a:alpha val="30000"/>
-                    </a:schemeClr>
-                  </a:solidFill>
-                </a:ln>
-                <a:latin typeface="맑은 고딕" panose="020B0503020000020004" pitchFamily="50" charset="-127"/>
-                <a:ea typeface="맑은 고딕" panose="020B0503020000020004" pitchFamily="50" charset="-127"/>
-              </a:rPr>
-              <a:t>개발 일정</a:t>
-            </a:r>
-            <a:r>
-              <a:rPr lang="en-US" altLang="ko-KR" sz="2000" b="1" dirty="0">
-                <a:ln>
-                  <a:solidFill>
-                    <a:schemeClr val="tx1">
-                      <a:alpha val="30000"/>
-                    </a:schemeClr>
-                  </a:solidFill>
-                </a:ln>
-                <a:latin typeface="맑은 고딕" panose="020B0503020000020004" pitchFamily="50" charset="-127"/>
-                <a:ea typeface="맑은 고딕" panose="020B0503020000020004" pitchFamily="50" charset="-127"/>
-              </a:rPr>
-              <a:t>(Development Schedule)</a:t>
-            </a:r>
-            <a:endParaRPr lang="ko-KR" altLang="en-US" sz="2000" b="1" dirty="0">
-              <a:ln>
-                <a:solidFill>
-                  <a:schemeClr val="tx1">
-                    <a:alpha val="30000"/>
-                  </a:schemeClr>
-                </a:solidFill>
-              </a:ln>
-              <a:latin typeface="맑은 고딕" panose="020B0503020000020004" pitchFamily="50" charset="-127"/>
-              <a:ea typeface="맑은 고딕" panose="020B0503020000020004" pitchFamily="50" charset="-127"/>
-            </a:endParaRPr>
-          </a:p>
-        </p:txBody>
-      </p:sp>
-      <p:sp>
-        <p:nvSpPr>
-          <p:cNvPr id="22" name="직사각형 21">
-            <a:extLst>
-              <a:ext uri="{FF2B5EF4-FFF2-40B4-BE49-F238E27FC236}">
-                <a16:creationId xmlns:a16="http://schemas.microsoft.com/office/drawing/2014/main" id="{AB4C8245-D0E4-4D79-B3E9-2FB89CE6FE84}"/>
-              </a:ext>
-            </a:extLst>
-          </p:cNvPr>
-          <p:cNvSpPr/>
-          <p:nvPr/>
-        </p:nvSpPr>
-        <p:spPr>
-          <a:xfrm>
-            <a:off x="71406" y="71415"/>
-            <a:ext cx="4286280" cy="571504"/>
-          </a:xfrm>
-          <a:prstGeom prst="rect">
-            <a:avLst/>
-          </a:prstGeom>
-          <a:noFill/>
-          <a:ln w="25400">
-            <a:solidFill>
-              <a:schemeClr val="tx1"/>
-            </a:solidFill>
-          </a:ln>
-        </p:spPr>
-        <p:style>
-          <a:lnRef idx="2">
-            <a:schemeClr val="accent1">
-              <a:shade val="50000"/>
-            </a:schemeClr>
-          </a:lnRef>
-          <a:fillRef idx="1">
-            <a:schemeClr val="accent1"/>
-          </a:fillRef>
-          <a:effectRef idx="0">
-            <a:schemeClr val="accent1"/>
-          </a:effectRef>
-          <a:fontRef idx="minor">
-            <a:schemeClr val="lt1"/>
-          </a:fontRef>
-        </p:style>
-        <p:txBody>
-          <a:bodyPr rtlCol="0" anchor="ctr"/>
-          <a:lstStyle/>
-          <a:p>
-            <a:pPr algn="ctr"/>
-            <a:endParaRPr lang="ko-KR" altLang="en-US"/>
-          </a:p>
-        </p:txBody>
-      </p:sp>
-      <p:sp>
-        <p:nvSpPr>
-          <p:cNvPr id="23" name="TextBox 22">
-            <a:extLst>
-              <a:ext uri="{FF2B5EF4-FFF2-40B4-BE49-F238E27FC236}">
-                <a16:creationId xmlns:a16="http://schemas.microsoft.com/office/drawing/2014/main" id="{706566D1-60CB-4C10-9859-0656D082B2B7}"/>
-              </a:ext>
-            </a:extLst>
-          </p:cNvPr>
-          <p:cNvSpPr txBox="1"/>
-          <p:nvPr/>
-        </p:nvSpPr>
-        <p:spPr>
-          <a:xfrm>
-            <a:off x="69546" y="692696"/>
-            <a:ext cx="1918244" cy="369332"/>
-          </a:xfrm>
-          <a:prstGeom prst="rect">
-            <a:avLst/>
-          </a:prstGeom>
-          <a:noFill/>
-          <a:ln>
-            <a:noFill/>
-          </a:ln>
-        </p:spPr>
-        <p:txBody>
-          <a:bodyPr wrap="square" rtlCol="0">
-            <a:spAutoFit/>
-          </a:bodyPr>
-          <a:lstStyle/>
-          <a:p>
-            <a:r>
-              <a:rPr lang="en-US" altLang="ko-KR" b="1" dirty="0">
-                <a:ln>
-                  <a:solidFill>
-                    <a:schemeClr val="tx1">
-                      <a:alpha val="30000"/>
-                    </a:schemeClr>
-                  </a:solidFill>
-                </a:ln>
-                <a:latin typeface="맑은 고딕" panose="020B0503020000020004" pitchFamily="50" charset="-127"/>
-                <a:ea typeface="맑은 고딕" panose="020B0503020000020004" pitchFamily="50" charset="-127"/>
-              </a:rPr>
-              <a:t>Trello : </a:t>
-            </a:r>
-            <a:r>
-              <a:rPr lang="ko-KR" altLang="en-US" b="1" dirty="0">
-                <a:ln>
-                  <a:solidFill>
-                    <a:schemeClr val="tx1">
-                      <a:alpha val="30000"/>
-                    </a:schemeClr>
-                  </a:solidFill>
-                </a:ln>
-                <a:latin typeface="맑은 고딕" panose="020B0503020000020004" pitchFamily="50" charset="-127"/>
-                <a:ea typeface="맑은 고딕" panose="020B0503020000020004" pitchFamily="50" charset="-127"/>
-              </a:rPr>
-              <a:t>형상관리</a:t>
-            </a:r>
-            <a:endParaRPr lang="en-US" altLang="ko-KR" b="1" dirty="0">
-              <a:ln>
-                <a:solidFill>
-                  <a:schemeClr val="tx1">
-                    <a:alpha val="30000"/>
-                  </a:schemeClr>
-                </a:solidFill>
-              </a:ln>
-              <a:latin typeface="맑은 고딕" panose="020B0503020000020004" pitchFamily="50" charset="-127"/>
-              <a:ea typeface="맑은 고딕" panose="020B0503020000020004" pitchFamily="50" charset="-127"/>
-            </a:endParaRPr>
-          </a:p>
-        </p:txBody>
-      </p:sp>
-      <p:sp>
-        <p:nvSpPr>
-          <p:cNvPr id="13" name="직사각형 12">
-            <a:extLst>
-              <a:ext uri="{FF2B5EF4-FFF2-40B4-BE49-F238E27FC236}">
-                <a16:creationId xmlns:a16="http://schemas.microsoft.com/office/drawing/2014/main" id="{75622C19-551A-48BE-9370-3BBDD13F2752}"/>
-              </a:ext>
-            </a:extLst>
-          </p:cNvPr>
-          <p:cNvSpPr/>
-          <p:nvPr/>
-        </p:nvSpPr>
-        <p:spPr>
-          <a:xfrm>
-            <a:off x="143966" y="1245070"/>
-            <a:ext cx="8820522" cy="5496298"/>
-          </a:xfrm>
-          <a:prstGeom prst="rect">
-            <a:avLst/>
-          </a:prstGeom>
-        </p:spPr>
-        <p:style>
-          <a:lnRef idx="2">
-            <a:schemeClr val="accent5"/>
-          </a:lnRef>
-          <a:fillRef idx="1">
-            <a:schemeClr val="lt1"/>
-          </a:fillRef>
-          <a:effectRef idx="0">
-            <a:schemeClr val="accent5"/>
-          </a:effectRef>
-          <a:fontRef idx="minor">
-            <a:schemeClr val="dk1"/>
-          </a:fontRef>
-        </p:style>
-        <p:txBody>
-          <a:bodyPr rtlCol="0" anchor="ctr"/>
-          <a:lstStyle/>
-          <a:p>
-            <a:pPr algn="ctr"/>
-            <a:endParaRPr lang="ko-KR" altLang="en-US"/>
-          </a:p>
-        </p:txBody>
-      </p:sp>
-      <p:pic>
-        <p:nvPicPr>
-          <p:cNvPr id="6" name="그림 5">
-            <a:extLst>
-              <a:ext uri="{FF2B5EF4-FFF2-40B4-BE49-F238E27FC236}">
-                <a16:creationId xmlns:a16="http://schemas.microsoft.com/office/drawing/2014/main" id="{956E637A-7B9A-41BC-AE91-2B4289080336}"/>
-              </a:ext>
-            </a:extLst>
-          </p:cNvPr>
-          <p:cNvPicPr>
-            <a:picLocks noChangeAspect="1"/>
-          </p:cNvPicPr>
-          <p:nvPr/>
-        </p:nvPicPr>
-        <p:blipFill>
-          <a:blip r:embed="rId2"/>
-          <a:stretch>
-            <a:fillRect/>
-          </a:stretch>
-        </p:blipFill>
-        <p:spPr>
-          <a:xfrm>
-            <a:off x="6660232" y="1473505"/>
-            <a:ext cx="2162477" cy="5039428"/>
-          </a:xfrm>
-          <a:prstGeom prst="rect">
-            <a:avLst/>
-          </a:prstGeom>
-        </p:spPr>
-      </p:pic>
-    </p:spTree>
-    <p:extLst>
-      <p:ext uri="{BB962C8B-B14F-4D97-AF65-F5344CB8AC3E}">
-        <p14:creationId xmlns:p14="http://schemas.microsoft.com/office/powerpoint/2010/main" val="2676139163"/>
-      </p:ext>
-    </p:extLst>
-  </p:cSld>
-  <p:clrMapOvr>
-    <a:masterClrMapping/>
-  </p:clrMapOvr>
-</p:sld>
-</file>
-
 <file path=ppt/slides/slide2.xml><?xml version="1.0" encoding="utf-8"?>
 <p:sld xmlns:a="http://schemas.openxmlformats.org/drawingml/2006/main" xmlns:r="http://schemas.openxmlformats.org/officeDocument/2006/relationships" xmlns:p="http://schemas.openxmlformats.org/presentationml/2006/main">
   <p:cSld>
@@ -4089,6 +3784,36 @@
           </a:p>
         </p:txBody>
       </p:sp>
+      <p:pic>
+        <p:nvPicPr>
+          <p:cNvPr id="3" name="그림 2">
+            <a:extLst>
+              <a:ext uri="{FF2B5EF4-FFF2-40B4-BE49-F238E27FC236}">
+                <a16:creationId xmlns:a16="http://schemas.microsoft.com/office/drawing/2014/main" id="{AAB765D5-483B-44CA-B3C8-98A1853985AF}"/>
+              </a:ext>
+            </a:extLst>
+          </p:cNvPr>
+          <p:cNvPicPr>
+            <a:picLocks noChangeAspect="1"/>
+          </p:cNvPicPr>
+          <p:nvPr/>
+        </p:nvPicPr>
+        <p:blipFill>
+          <a:blip r:embed="rId2"/>
+          <a:stretch>
+            <a:fillRect/>
+          </a:stretch>
+        </p:blipFill>
+        <p:spPr>
+          <a:xfrm>
+            <a:off x="1548228" y="1412776"/>
+            <a:ext cx="6047543" cy="4854644"/>
+          </a:xfrm>
+          <a:prstGeom prst="rect">
+            <a:avLst/>
+          </a:prstGeom>
+        </p:spPr>
+      </p:pic>
     </p:spTree>
     <p:extLst>
       <p:ext uri="{BB962C8B-B14F-4D97-AF65-F5344CB8AC3E}">
@@ -5091,6 +4816,41 @@
           </a:prstGeom>
         </p:spPr>
       </p:pic>
+      <p:pic>
+        <p:nvPicPr>
+          <p:cNvPr id="3" name="그림 2">
+            <a:extLst>
+              <a:ext uri="{FF2B5EF4-FFF2-40B4-BE49-F238E27FC236}">
+                <a16:creationId xmlns:a16="http://schemas.microsoft.com/office/drawing/2014/main" id="{957AF109-644D-4556-A62F-B46D11E2132C}"/>
+              </a:ext>
+            </a:extLst>
+          </p:cNvPr>
+          <p:cNvPicPr>
+            <a:picLocks noChangeAspect="1"/>
+          </p:cNvPicPr>
+          <p:nvPr/>
+        </p:nvPicPr>
+        <p:blipFill>
+          <a:blip r:embed="rId4"/>
+          <a:stretch>
+            <a:fillRect/>
+          </a:stretch>
+        </p:blipFill>
+        <p:spPr>
+          <a:xfrm>
+            <a:off x="2339752" y="3284984"/>
+            <a:ext cx="1400370" cy="2886478"/>
+          </a:xfrm>
+          <a:prstGeom prst="rect">
+            <a:avLst/>
+          </a:prstGeom>
+          <a:ln w="28575">
+            <a:solidFill>
+              <a:schemeClr val="accent1"/>
+            </a:solidFill>
+          </a:ln>
+        </p:spPr>
+      </p:pic>
     </p:spTree>
     <p:extLst>
       <p:ext uri="{BB962C8B-B14F-4D97-AF65-F5344CB8AC3E}">
@@ -5757,6 +5517,41 @@
           <a:prstGeom prst="rect">
             <a:avLst/>
           </a:prstGeom>
+        </p:spPr>
+      </p:pic>
+      <p:pic>
+        <p:nvPicPr>
+          <p:cNvPr id="3" name="그림 2">
+            <a:extLst>
+              <a:ext uri="{FF2B5EF4-FFF2-40B4-BE49-F238E27FC236}">
+                <a16:creationId xmlns:a16="http://schemas.microsoft.com/office/drawing/2014/main" id="{E4E429AE-FBF4-4028-A037-A4723BCC4396}"/>
+              </a:ext>
+            </a:extLst>
+          </p:cNvPr>
+          <p:cNvPicPr>
+            <a:picLocks noChangeAspect="1"/>
+          </p:cNvPicPr>
+          <p:nvPr/>
+        </p:nvPicPr>
+        <p:blipFill>
+          <a:blip r:embed="rId4"/>
+          <a:stretch>
+            <a:fillRect/>
+          </a:stretch>
+        </p:blipFill>
+        <p:spPr>
+          <a:xfrm>
+            <a:off x="2596140" y="3429000"/>
+            <a:ext cx="1781424" cy="1914792"/>
+          </a:xfrm>
+          <a:prstGeom prst="rect">
+            <a:avLst/>
+          </a:prstGeom>
+          <a:ln w="19050">
+            <a:solidFill>
+              <a:schemeClr val="accent1"/>
+            </a:solidFill>
+          </a:ln>
         </p:spPr>
       </p:pic>
     </p:spTree>

--- a/6) KOSMO_77기_개발 4팀_일정관리_형상관리_활용_종합보고서.pptx
+++ b/6) KOSMO_77기_개발 4팀_일정관리_형상관리_활용_종합보고서.pptx
@@ -6,14 +6,15 @@
   </p:sldMasterIdLst>
   <p:sldIdLst>
     <p:sldId id="257" r:id="rId2"/>
-    <p:sldId id="258" r:id="rId3"/>
-    <p:sldId id="259" r:id="rId4"/>
-    <p:sldId id="263" r:id="rId5"/>
-    <p:sldId id="260" r:id="rId6"/>
-    <p:sldId id="261" r:id="rId7"/>
-    <p:sldId id="262" r:id="rId8"/>
-    <p:sldId id="264" r:id="rId9"/>
-    <p:sldId id="265" r:id="rId10"/>
+    <p:sldId id="266" r:id="rId3"/>
+    <p:sldId id="258" r:id="rId4"/>
+    <p:sldId id="259" r:id="rId5"/>
+    <p:sldId id="263" r:id="rId6"/>
+    <p:sldId id="260" r:id="rId7"/>
+    <p:sldId id="261" r:id="rId8"/>
+    <p:sldId id="262" r:id="rId9"/>
+    <p:sldId id="264" r:id="rId10"/>
+    <p:sldId id="265" r:id="rId11"/>
   </p:sldIdLst>
   <p:sldSz cx="9144000" cy="6858000" type="screen4x3"/>
   <p:notesSz cx="6858000" cy="9144000"/>
@@ -3516,10 +3517,464 @@
           </a:p>
         </p:txBody>
       </p:sp>
+      <p:pic>
+        <p:nvPicPr>
+          <p:cNvPr id="3" name="그림 2">
+            <a:extLst>
+              <a:ext uri="{FF2B5EF4-FFF2-40B4-BE49-F238E27FC236}">
+                <a16:creationId xmlns:a16="http://schemas.microsoft.com/office/drawing/2014/main" id="{A96B110E-3E73-4F03-B609-86F74AB07706}"/>
+              </a:ext>
+            </a:extLst>
+          </p:cNvPr>
+          <p:cNvPicPr>
+            <a:picLocks noChangeAspect="1"/>
+          </p:cNvPicPr>
+          <p:nvPr/>
+        </p:nvPicPr>
+        <p:blipFill>
+          <a:blip r:embed="rId2"/>
+          <a:stretch>
+            <a:fillRect/>
+          </a:stretch>
+        </p:blipFill>
+        <p:spPr>
+          <a:xfrm>
+            <a:off x="228905" y="1643050"/>
+            <a:ext cx="7240010" cy="2429214"/>
+          </a:xfrm>
+          <a:prstGeom prst="rect">
+            <a:avLst/>
+          </a:prstGeom>
+        </p:spPr>
+      </p:pic>
+      <p:pic>
+        <p:nvPicPr>
+          <p:cNvPr id="7" name="그림 6">
+            <a:extLst>
+              <a:ext uri="{FF2B5EF4-FFF2-40B4-BE49-F238E27FC236}">
+                <a16:creationId xmlns:a16="http://schemas.microsoft.com/office/drawing/2014/main" id="{CC38D72D-FF89-41BC-9403-AE9A4E9C8D8A}"/>
+              </a:ext>
+            </a:extLst>
+          </p:cNvPr>
+          <p:cNvPicPr>
+            <a:picLocks noChangeAspect="1"/>
+          </p:cNvPicPr>
+          <p:nvPr/>
+        </p:nvPicPr>
+        <p:blipFill>
+          <a:blip r:embed="rId3"/>
+          <a:stretch>
+            <a:fillRect/>
+          </a:stretch>
+        </p:blipFill>
+        <p:spPr>
+          <a:xfrm>
+            <a:off x="228905" y="4034464"/>
+            <a:ext cx="6839905" cy="866896"/>
+          </a:xfrm>
+          <a:prstGeom prst="rect">
+            <a:avLst/>
+          </a:prstGeom>
+        </p:spPr>
+      </p:pic>
+      <p:pic>
+        <p:nvPicPr>
+          <p:cNvPr id="9" name="그림 8">
+            <a:extLst>
+              <a:ext uri="{FF2B5EF4-FFF2-40B4-BE49-F238E27FC236}">
+                <a16:creationId xmlns:a16="http://schemas.microsoft.com/office/drawing/2014/main" id="{1F7826FD-377B-4FAE-BD32-80AB09A28EA0}"/>
+              </a:ext>
+            </a:extLst>
+          </p:cNvPr>
+          <p:cNvPicPr>
+            <a:picLocks noChangeAspect="1"/>
+          </p:cNvPicPr>
+          <p:nvPr/>
+        </p:nvPicPr>
+        <p:blipFill>
+          <a:blip r:embed="rId4"/>
+          <a:stretch>
+            <a:fillRect/>
+          </a:stretch>
+        </p:blipFill>
+        <p:spPr>
+          <a:xfrm>
+            <a:off x="228905" y="4901360"/>
+            <a:ext cx="6820852" cy="809738"/>
+          </a:xfrm>
+          <a:prstGeom prst="rect">
+            <a:avLst/>
+          </a:prstGeom>
+        </p:spPr>
+      </p:pic>
+      <p:pic>
+        <p:nvPicPr>
+          <p:cNvPr id="11" name="그림 10">
+            <a:extLst>
+              <a:ext uri="{FF2B5EF4-FFF2-40B4-BE49-F238E27FC236}">
+                <a16:creationId xmlns:a16="http://schemas.microsoft.com/office/drawing/2014/main" id="{2FC67286-DE81-4763-87DF-9637EF31D0EE}"/>
+              </a:ext>
+            </a:extLst>
+          </p:cNvPr>
+          <p:cNvPicPr>
+            <a:picLocks noChangeAspect="1"/>
+          </p:cNvPicPr>
+          <p:nvPr/>
+        </p:nvPicPr>
+        <p:blipFill>
+          <a:blip r:embed="rId5"/>
+          <a:stretch>
+            <a:fillRect/>
+          </a:stretch>
+        </p:blipFill>
+        <p:spPr>
+          <a:xfrm>
+            <a:off x="228905" y="5692351"/>
+            <a:ext cx="6839905" cy="847843"/>
+          </a:xfrm>
+          <a:prstGeom prst="rect">
+            <a:avLst/>
+          </a:prstGeom>
+        </p:spPr>
+      </p:pic>
     </p:spTree>
     <p:extLst>
       <p:ext uri="{BB962C8B-B14F-4D97-AF65-F5344CB8AC3E}">
         <p14:creationId xmlns:p14="http://schemas.microsoft.com/office/powerpoint/2010/main" val="3751037091"/>
+      </p:ext>
+    </p:extLst>
+  </p:cSld>
+  <p:clrMapOvr>
+    <a:masterClrMapping/>
+  </p:clrMapOvr>
+</p:sld>
+</file>
+
+<file path=ppt/slides/slide10.xml><?xml version="1.0" encoding="utf-8"?>
+<p:sld xmlns:a="http://schemas.openxmlformats.org/drawingml/2006/main" xmlns:r="http://schemas.openxmlformats.org/officeDocument/2006/relationships" xmlns:p="http://schemas.openxmlformats.org/presentationml/2006/main">
+  <p:cSld>
+    <p:spTree>
+      <p:nvGrpSpPr>
+        <p:cNvPr id="1" name=""/>
+        <p:cNvGrpSpPr/>
+        <p:nvPr/>
+      </p:nvGrpSpPr>
+      <p:grpSpPr>
+        <a:xfrm>
+          <a:off x="0" y="0"/>
+          <a:ext cx="0" cy="0"/>
+          <a:chOff x="0" y="0"/>
+          <a:chExt cx="0" cy="0"/>
+        </a:xfrm>
+      </p:grpSpPr>
+      <p:sp>
+        <p:nvSpPr>
+          <p:cNvPr id="18" name="TextBox 17">
+            <a:extLst>
+              <a:ext uri="{FF2B5EF4-FFF2-40B4-BE49-F238E27FC236}">
+                <a16:creationId xmlns:a16="http://schemas.microsoft.com/office/drawing/2014/main" id="{D7B7EE40-BAD9-4569-9BF6-F6E9ACA78A3C}"/>
+              </a:ext>
+            </a:extLst>
+          </p:cNvPr>
+          <p:cNvSpPr txBox="1"/>
+          <p:nvPr/>
+        </p:nvSpPr>
+        <p:spPr>
+          <a:xfrm>
+            <a:off x="110272" y="71414"/>
+            <a:ext cx="4247414" cy="553998"/>
+          </a:xfrm>
+          <a:prstGeom prst="rect">
+            <a:avLst/>
+          </a:prstGeom>
+          <a:noFill/>
+        </p:spPr>
+        <p:txBody>
+          <a:bodyPr wrap="square" rtlCol="0" anchor="ctr">
+            <a:spAutoFit/>
+          </a:bodyPr>
+          <a:lstStyle/>
+          <a:p>
+            <a:pPr algn="ctr">
+              <a:lnSpc>
+                <a:spcPct val="150000"/>
+              </a:lnSpc>
+            </a:pPr>
+            <a:r>
+              <a:rPr lang="ko-KR" altLang="en-US" sz="2000" b="1" dirty="0">
+                <a:ln>
+                  <a:solidFill>
+                    <a:schemeClr val="tx1">
+                      <a:alpha val="30000"/>
+                    </a:schemeClr>
+                  </a:solidFill>
+                </a:ln>
+                <a:latin typeface="맑은 고딕" panose="020B0503020000020004" pitchFamily="50" charset="-127"/>
+                <a:ea typeface="맑은 고딕" panose="020B0503020000020004" pitchFamily="50" charset="-127"/>
+              </a:rPr>
+              <a:t>개발 일정</a:t>
+            </a:r>
+            <a:r>
+              <a:rPr lang="en-US" altLang="ko-KR" sz="2000" b="1" dirty="0">
+                <a:ln>
+                  <a:solidFill>
+                    <a:schemeClr val="tx1">
+                      <a:alpha val="30000"/>
+                    </a:schemeClr>
+                  </a:solidFill>
+                </a:ln>
+                <a:latin typeface="맑은 고딕" panose="020B0503020000020004" pitchFamily="50" charset="-127"/>
+                <a:ea typeface="맑은 고딕" panose="020B0503020000020004" pitchFamily="50" charset="-127"/>
+              </a:rPr>
+              <a:t>(Development Schedule)</a:t>
+            </a:r>
+            <a:endParaRPr lang="ko-KR" altLang="en-US" sz="2000" b="1" dirty="0">
+              <a:ln>
+                <a:solidFill>
+                  <a:schemeClr val="tx1">
+                    <a:alpha val="30000"/>
+                  </a:schemeClr>
+                </a:solidFill>
+              </a:ln>
+              <a:latin typeface="맑은 고딕" panose="020B0503020000020004" pitchFamily="50" charset="-127"/>
+              <a:ea typeface="맑은 고딕" panose="020B0503020000020004" pitchFamily="50" charset="-127"/>
+            </a:endParaRPr>
+          </a:p>
+        </p:txBody>
+      </p:sp>
+      <p:sp>
+        <p:nvSpPr>
+          <p:cNvPr id="22" name="직사각형 21">
+            <a:extLst>
+              <a:ext uri="{FF2B5EF4-FFF2-40B4-BE49-F238E27FC236}">
+                <a16:creationId xmlns:a16="http://schemas.microsoft.com/office/drawing/2014/main" id="{AB4C8245-D0E4-4D79-B3E9-2FB89CE6FE84}"/>
+              </a:ext>
+            </a:extLst>
+          </p:cNvPr>
+          <p:cNvSpPr/>
+          <p:nvPr/>
+        </p:nvSpPr>
+        <p:spPr>
+          <a:xfrm>
+            <a:off x="71406" y="71415"/>
+            <a:ext cx="4286280" cy="571504"/>
+          </a:xfrm>
+          <a:prstGeom prst="rect">
+            <a:avLst/>
+          </a:prstGeom>
+          <a:noFill/>
+          <a:ln w="25400">
+            <a:solidFill>
+              <a:schemeClr val="tx1"/>
+            </a:solidFill>
+          </a:ln>
+        </p:spPr>
+        <p:style>
+          <a:lnRef idx="2">
+            <a:schemeClr val="accent1">
+              <a:shade val="50000"/>
+            </a:schemeClr>
+          </a:lnRef>
+          <a:fillRef idx="1">
+            <a:schemeClr val="accent1"/>
+          </a:fillRef>
+          <a:effectRef idx="0">
+            <a:schemeClr val="accent1"/>
+          </a:effectRef>
+          <a:fontRef idx="minor">
+            <a:schemeClr val="lt1"/>
+          </a:fontRef>
+        </p:style>
+        <p:txBody>
+          <a:bodyPr rtlCol="0" anchor="ctr"/>
+          <a:lstStyle/>
+          <a:p>
+            <a:pPr algn="ctr"/>
+            <a:endParaRPr lang="ko-KR" altLang="en-US"/>
+          </a:p>
+        </p:txBody>
+      </p:sp>
+      <p:sp>
+        <p:nvSpPr>
+          <p:cNvPr id="23" name="TextBox 22">
+            <a:extLst>
+              <a:ext uri="{FF2B5EF4-FFF2-40B4-BE49-F238E27FC236}">
+                <a16:creationId xmlns:a16="http://schemas.microsoft.com/office/drawing/2014/main" id="{706566D1-60CB-4C10-9859-0656D082B2B7}"/>
+              </a:ext>
+            </a:extLst>
+          </p:cNvPr>
+          <p:cNvSpPr txBox="1"/>
+          <p:nvPr/>
+        </p:nvSpPr>
+        <p:spPr>
+          <a:xfrm>
+            <a:off x="69546" y="692696"/>
+            <a:ext cx="1918244" cy="369332"/>
+          </a:xfrm>
+          <a:prstGeom prst="rect">
+            <a:avLst/>
+          </a:prstGeom>
+          <a:noFill/>
+          <a:ln>
+            <a:noFill/>
+          </a:ln>
+        </p:spPr>
+        <p:txBody>
+          <a:bodyPr wrap="square" rtlCol="0">
+            <a:spAutoFit/>
+          </a:bodyPr>
+          <a:lstStyle/>
+          <a:p>
+            <a:r>
+              <a:rPr lang="en-US" altLang="ko-KR" b="1" dirty="0">
+                <a:ln>
+                  <a:solidFill>
+                    <a:schemeClr val="tx1">
+                      <a:alpha val="30000"/>
+                    </a:schemeClr>
+                  </a:solidFill>
+                </a:ln>
+                <a:latin typeface="맑은 고딕" panose="020B0503020000020004" pitchFamily="50" charset="-127"/>
+                <a:ea typeface="맑은 고딕" panose="020B0503020000020004" pitchFamily="50" charset="-127"/>
+              </a:rPr>
+              <a:t>Trello : </a:t>
+            </a:r>
+            <a:r>
+              <a:rPr lang="ko-KR" altLang="en-US" b="1" dirty="0">
+                <a:ln>
+                  <a:solidFill>
+                    <a:schemeClr val="tx1">
+                      <a:alpha val="30000"/>
+                    </a:schemeClr>
+                  </a:solidFill>
+                </a:ln>
+                <a:latin typeface="맑은 고딕" panose="020B0503020000020004" pitchFamily="50" charset="-127"/>
+                <a:ea typeface="맑은 고딕" panose="020B0503020000020004" pitchFamily="50" charset="-127"/>
+              </a:rPr>
+              <a:t>형상관리</a:t>
+            </a:r>
+            <a:endParaRPr lang="en-US" altLang="ko-KR" b="1" dirty="0">
+              <a:ln>
+                <a:solidFill>
+                  <a:schemeClr val="tx1">
+                    <a:alpha val="30000"/>
+                  </a:schemeClr>
+                </a:solidFill>
+              </a:ln>
+              <a:latin typeface="맑은 고딕" panose="020B0503020000020004" pitchFamily="50" charset="-127"/>
+              <a:ea typeface="맑은 고딕" panose="020B0503020000020004" pitchFamily="50" charset="-127"/>
+            </a:endParaRPr>
+          </a:p>
+        </p:txBody>
+      </p:sp>
+      <p:sp>
+        <p:nvSpPr>
+          <p:cNvPr id="13" name="직사각형 12">
+            <a:extLst>
+              <a:ext uri="{FF2B5EF4-FFF2-40B4-BE49-F238E27FC236}">
+                <a16:creationId xmlns:a16="http://schemas.microsoft.com/office/drawing/2014/main" id="{75622C19-551A-48BE-9370-3BBDD13F2752}"/>
+              </a:ext>
+            </a:extLst>
+          </p:cNvPr>
+          <p:cNvSpPr/>
+          <p:nvPr/>
+        </p:nvSpPr>
+        <p:spPr>
+          <a:xfrm>
+            <a:off x="143966" y="1245070"/>
+            <a:ext cx="8820522" cy="5496298"/>
+          </a:xfrm>
+          <a:prstGeom prst="rect">
+            <a:avLst/>
+          </a:prstGeom>
+        </p:spPr>
+        <p:style>
+          <a:lnRef idx="2">
+            <a:schemeClr val="accent5"/>
+          </a:lnRef>
+          <a:fillRef idx="1">
+            <a:schemeClr val="lt1"/>
+          </a:fillRef>
+          <a:effectRef idx="0">
+            <a:schemeClr val="accent5"/>
+          </a:effectRef>
+          <a:fontRef idx="minor">
+            <a:schemeClr val="dk1"/>
+          </a:fontRef>
+        </p:style>
+        <p:txBody>
+          <a:bodyPr rtlCol="0" anchor="ctr"/>
+          <a:lstStyle/>
+          <a:p>
+            <a:pPr algn="ctr"/>
+            <a:endParaRPr lang="ko-KR" altLang="en-US"/>
+          </a:p>
+        </p:txBody>
+      </p:sp>
+      <p:pic>
+        <p:nvPicPr>
+          <p:cNvPr id="6" name="그림 5">
+            <a:extLst>
+              <a:ext uri="{FF2B5EF4-FFF2-40B4-BE49-F238E27FC236}">
+                <a16:creationId xmlns:a16="http://schemas.microsoft.com/office/drawing/2014/main" id="{956E637A-7B9A-41BC-AE91-2B4289080336}"/>
+              </a:ext>
+            </a:extLst>
+          </p:cNvPr>
+          <p:cNvPicPr>
+            <a:picLocks noChangeAspect="1"/>
+          </p:cNvPicPr>
+          <p:nvPr/>
+        </p:nvPicPr>
+        <p:blipFill>
+          <a:blip r:embed="rId2"/>
+          <a:stretch>
+            <a:fillRect/>
+          </a:stretch>
+        </p:blipFill>
+        <p:spPr>
+          <a:xfrm>
+            <a:off x="6660232" y="1473505"/>
+            <a:ext cx="2162477" cy="5039428"/>
+          </a:xfrm>
+          <a:prstGeom prst="rect">
+            <a:avLst/>
+          </a:prstGeom>
+        </p:spPr>
+      </p:pic>
+      <p:pic>
+        <p:nvPicPr>
+          <p:cNvPr id="3" name="그림 2">
+            <a:extLst>
+              <a:ext uri="{FF2B5EF4-FFF2-40B4-BE49-F238E27FC236}">
+                <a16:creationId xmlns:a16="http://schemas.microsoft.com/office/drawing/2014/main" id="{5CF46E96-3D4D-4F2D-8B9C-BB51B75135EC}"/>
+              </a:ext>
+            </a:extLst>
+          </p:cNvPr>
+          <p:cNvPicPr>
+            <a:picLocks noChangeAspect="1"/>
+          </p:cNvPicPr>
+          <p:nvPr/>
+        </p:nvPicPr>
+        <p:blipFill>
+          <a:blip r:embed="rId3"/>
+          <a:stretch>
+            <a:fillRect/>
+          </a:stretch>
+        </p:blipFill>
+        <p:spPr>
+          <a:xfrm>
+            <a:off x="698649" y="1364034"/>
+            <a:ext cx="5782482" cy="4801270"/>
+          </a:xfrm>
+          <a:prstGeom prst="rect">
+            <a:avLst/>
+          </a:prstGeom>
+        </p:spPr>
+      </p:pic>
+    </p:spTree>
+    <p:extLst>
+      <p:ext uri="{BB962C8B-B14F-4D97-AF65-F5344CB8AC3E}">
+        <p14:creationId xmlns:p14="http://schemas.microsoft.com/office/powerpoint/2010/main" val="936818267"/>
       </p:ext>
     </p:extLst>
   </p:cSld>
@@ -3675,7 +4130,7 @@
       </p:sp>
       <p:sp>
         <p:nvSpPr>
-          <p:cNvPr id="24" name="TextBox 23">
+          <p:cNvPr id="25" name="TextBox 24">
             <a:extLst>
               <a:ext uri="{FF2B5EF4-FFF2-40B4-BE49-F238E27FC236}">
                 <a16:creationId xmlns:a16="http://schemas.microsoft.com/office/drawing/2014/main" id="{706566D1-60CB-4C10-9859-0656D082B2B7}"/>
@@ -3687,8 +4142,8 @@
         </p:nvSpPr>
         <p:spPr>
           <a:xfrm>
-            <a:off x="110272" y="764704"/>
-            <a:ext cx="2200091" cy="369332"/>
+            <a:off x="71406" y="714356"/>
+            <a:ext cx="4357718" cy="369332"/>
           </a:xfrm>
           <a:prstGeom prst="rect">
             <a:avLst/>
@@ -3716,7 +4171,7 @@
                 <a:latin typeface="맑은 고딕" panose="020B0503020000020004" pitchFamily="50" charset="-127"/>
                 <a:ea typeface="맑은 고딕" panose="020B0503020000020004" pitchFamily="50" charset="-127"/>
               </a:rPr>
-              <a:t>GitHub : </a:t>
+              <a:t>Gantt Chart : 4</a:t>
             </a:r>
             <a:r>
               <a:rPr lang="ko-KR" altLang="en-US" b="1" dirty="0">
@@ -3730,9 +4185,135 @@
                 <a:latin typeface="맑은 고딕" panose="020B0503020000020004" pitchFamily="50" charset="-127"/>
                 <a:ea typeface="맑은 고딕" panose="020B0503020000020004" pitchFamily="50" charset="-127"/>
               </a:rPr>
-              <a:t>형상관리</a:t>
-            </a:r>
-            <a:endParaRPr lang="en-US" altLang="ko-KR" b="1" dirty="0">
+              <a:t>월 </a:t>
+            </a:r>
+            <a:r>
+              <a:rPr lang="en-US" altLang="ko-KR" b="1" dirty="0">
+                <a:ln>
+                  <a:solidFill>
+                    <a:schemeClr val="tx1">
+                      <a:alpha val="30000"/>
+                    </a:schemeClr>
+                  </a:solidFill>
+                </a:ln>
+                <a:latin typeface="맑은 고딕" panose="020B0503020000020004" pitchFamily="50" charset="-127"/>
+                <a:ea typeface="맑은 고딕" panose="020B0503020000020004" pitchFamily="50" charset="-127"/>
+              </a:rPr>
+              <a:t>2</a:t>
+            </a:r>
+            <a:r>
+              <a:rPr lang="ko-KR" altLang="en-US" b="1" dirty="0">
+                <a:ln>
+                  <a:solidFill>
+                    <a:schemeClr val="tx1">
+                      <a:alpha val="30000"/>
+                    </a:schemeClr>
+                  </a:solidFill>
+                </a:ln>
+                <a:latin typeface="맑은 고딕" panose="020B0503020000020004" pitchFamily="50" charset="-127"/>
+                <a:ea typeface="맑은 고딕" panose="020B0503020000020004" pitchFamily="50" charset="-127"/>
+              </a:rPr>
+              <a:t>일 </a:t>
+            </a:r>
+            <a:r>
+              <a:rPr lang="en-US" altLang="ko-KR" b="1" dirty="0">
+                <a:ln>
+                  <a:solidFill>
+                    <a:schemeClr val="tx1">
+                      <a:alpha val="30000"/>
+                    </a:schemeClr>
+                  </a:solidFill>
+                </a:ln>
+                <a:latin typeface="맑은 고딕" panose="020B0503020000020004" pitchFamily="50" charset="-127"/>
+                <a:ea typeface="맑은 고딕" panose="020B0503020000020004" pitchFamily="50" charset="-127"/>
+              </a:rPr>
+              <a:t>~ 4</a:t>
+            </a:r>
+            <a:r>
+              <a:rPr lang="ko-KR" altLang="en-US" b="1" dirty="0">
+                <a:ln>
+                  <a:solidFill>
+                    <a:schemeClr val="tx1">
+                      <a:alpha val="30000"/>
+                    </a:schemeClr>
+                  </a:solidFill>
+                </a:ln>
+                <a:latin typeface="맑은 고딕" panose="020B0503020000020004" pitchFamily="50" charset="-127"/>
+                <a:ea typeface="맑은 고딕" panose="020B0503020000020004" pitchFamily="50" charset="-127"/>
+              </a:rPr>
+              <a:t>월 </a:t>
+            </a:r>
+            <a:r>
+              <a:rPr lang="en-US" altLang="ko-KR" b="1" dirty="0">
+                <a:ln>
+                  <a:solidFill>
+                    <a:schemeClr val="tx1">
+                      <a:alpha val="30000"/>
+                    </a:schemeClr>
+                  </a:solidFill>
+                </a:ln>
+                <a:latin typeface="맑은 고딕" panose="020B0503020000020004" pitchFamily="50" charset="-127"/>
+                <a:ea typeface="맑은 고딕" panose="020B0503020000020004" pitchFamily="50" charset="-127"/>
+              </a:rPr>
+              <a:t>9</a:t>
+            </a:r>
+            <a:r>
+              <a:rPr lang="ko-KR" altLang="en-US" b="1" dirty="0">
+                <a:ln>
+                  <a:solidFill>
+                    <a:schemeClr val="tx1">
+                      <a:alpha val="30000"/>
+                    </a:schemeClr>
+                  </a:solidFill>
+                </a:ln>
+                <a:latin typeface="맑은 고딕" panose="020B0503020000020004" pitchFamily="50" charset="-127"/>
+                <a:ea typeface="맑은 고딕" panose="020B0503020000020004" pitchFamily="50" charset="-127"/>
+              </a:rPr>
+              <a:t>일 </a:t>
+            </a:r>
+            <a:r>
+              <a:rPr lang="en-US" altLang="ko-KR" b="1" dirty="0">
+                <a:ln>
+                  <a:solidFill>
+                    <a:schemeClr val="tx1">
+                      <a:alpha val="30000"/>
+                    </a:schemeClr>
+                  </a:solidFill>
+                </a:ln>
+                <a:latin typeface="맑은 고딕" panose="020B0503020000020004" pitchFamily="50" charset="-127"/>
+                <a:ea typeface="맑은 고딕" panose="020B0503020000020004" pitchFamily="50" charset="-127"/>
+              </a:rPr>
+              <a:t>(1</a:t>
+            </a:r>
+            <a:r>
+              <a:rPr lang="ko-KR" altLang="en-US" b="1" dirty="0">
+                <a:ln>
+                  <a:solidFill>
+                    <a:schemeClr val="tx1">
+                      <a:alpha val="30000"/>
+                    </a:schemeClr>
+                  </a:solidFill>
+                </a:ln>
+                <a:latin typeface="맑은 고딕" panose="020B0503020000020004" pitchFamily="50" charset="-127"/>
+                <a:ea typeface="맑은 고딕" panose="020B0503020000020004" pitchFamily="50" charset="-127"/>
+              </a:rPr>
+              <a:t>주</a:t>
+            </a:r>
+            <a:r>
+              <a:rPr lang="en-US" altLang="ko-KR" b="1" dirty="0">
+                <a:ln>
+                  <a:solidFill>
+                    <a:schemeClr val="tx1">
+                      <a:alpha val="30000"/>
+                    </a:schemeClr>
+                  </a:solidFill>
+                </a:ln>
+                <a:latin typeface="맑은 고딕" panose="020B0503020000020004" pitchFamily="50" charset="-127"/>
+                <a:ea typeface="맑은 고딕" panose="020B0503020000020004" pitchFamily="50" charset="-127"/>
+              </a:rPr>
+              <a:t>) </a:t>
+            </a:r>
+            <a:endParaRPr lang="ko-KR" altLang="en-US" b="1" dirty="0">
               <a:ln>
                 <a:solidFill>
                   <a:schemeClr val="tx1">
@@ -3748,14 +4329,14 @@
       </p:sp>
       <p:sp>
         <p:nvSpPr>
-          <p:cNvPr id="39" name="직사각형 38"/>
+          <p:cNvPr id="26" name="직사각형 25"/>
           <p:cNvSpPr/>
           <p:nvPr/>
         </p:nvSpPr>
         <p:spPr>
           <a:xfrm>
-            <a:off x="143966" y="1245070"/>
-            <a:ext cx="8820522" cy="5496298"/>
+            <a:off x="142843" y="1214422"/>
+            <a:ext cx="8794969" cy="5382930"/>
           </a:xfrm>
           <a:prstGeom prst="rect">
             <a:avLst/>
@@ -3784,12 +4365,42 @@
           </a:p>
         </p:txBody>
       </p:sp>
+      <p:sp>
+        <p:nvSpPr>
+          <p:cNvPr id="27" name="TextBox 26"/>
+          <p:cNvSpPr txBox="1"/>
+          <p:nvPr/>
+        </p:nvSpPr>
+        <p:spPr>
+          <a:xfrm>
+            <a:off x="206187" y="1273718"/>
+            <a:ext cx="3222805" cy="369332"/>
+          </a:xfrm>
+          <a:prstGeom prst="rect">
+            <a:avLst/>
+          </a:prstGeom>
+          <a:noFill/>
+        </p:spPr>
+        <p:txBody>
+          <a:bodyPr wrap="none" rtlCol="0">
+            <a:spAutoFit/>
+          </a:bodyPr>
+          <a:lstStyle/>
+          <a:p>
+            <a:r>
+              <a:rPr lang="en-US" altLang="ko-KR" dirty="0"/>
+              <a:t>Here : Contents Image Insert</a:t>
+            </a:r>
+            <a:endParaRPr lang="ko-KR" altLang="en-US" dirty="0"/>
+          </a:p>
+        </p:txBody>
+      </p:sp>
       <p:pic>
         <p:nvPicPr>
           <p:cNvPr id="3" name="그림 2">
             <a:extLst>
               <a:ext uri="{FF2B5EF4-FFF2-40B4-BE49-F238E27FC236}">
-                <a16:creationId xmlns:a16="http://schemas.microsoft.com/office/drawing/2014/main" id="{AAB765D5-483B-44CA-B3C8-98A1853985AF}"/>
+                <a16:creationId xmlns:a16="http://schemas.microsoft.com/office/drawing/2014/main" id="{A96B110E-3E73-4F03-B609-86F74AB07706}"/>
               </a:ext>
             </a:extLst>
           </p:cNvPr>
@@ -3806,8 +4417,98 @@
         </p:blipFill>
         <p:spPr>
           <a:xfrm>
-            <a:off x="1548228" y="1412776"/>
-            <a:ext cx="6047543" cy="4854644"/>
+            <a:off x="228905" y="1643050"/>
+            <a:ext cx="7240010" cy="2429214"/>
+          </a:xfrm>
+          <a:prstGeom prst="rect">
+            <a:avLst/>
+          </a:prstGeom>
+        </p:spPr>
+      </p:pic>
+      <p:pic>
+        <p:nvPicPr>
+          <p:cNvPr id="4" name="그림 3">
+            <a:extLst>
+              <a:ext uri="{FF2B5EF4-FFF2-40B4-BE49-F238E27FC236}">
+                <a16:creationId xmlns:a16="http://schemas.microsoft.com/office/drawing/2014/main" id="{6A39341E-D755-4A05-8D38-D433798B15F9}"/>
+              </a:ext>
+            </a:extLst>
+          </p:cNvPr>
+          <p:cNvPicPr>
+            <a:picLocks noChangeAspect="1"/>
+          </p:cNvPicPr>
+          <p:nvPr/>
+        </p:nvPicPr>
+        <p:blipFill>
+          <a:blip r:embed="rId3"/>
+          <a:stretch>
+            <a:fillRect/>
+          </a:stretch>
+        </p:blipFill>
+        <p:spPr>
+          <a:xfrm>
+            <a:off x="228905" y="4038297"/>
+            <a:ext cx="6839905" cy="847843"/>
+          </a:xfrm>
+          <a:prstGeom prst="rect">
+            <a:avLst/>
+          </a:prstGeom>
+        </p:spPr>
+      </p:pic>
+      <p:pic>
+        <p:nvPicPr>
+          <p:cNvPr id="6" name="그림 5">
+            <a:extLst>
+              <a:ext uri="{FF2B5EF4-FFF2-40B4-BE49-F238E27FC236}">
+                <a16:creationId xmlns:a16="http://schemas.microsoft.com/office/drawing/2014/main" id="{E1F02E71-AB76-4AE0-9C32-A08CD28A25E9}"/>
+              </a:ext>
+            </a:extLst>
+          </p:cNvPr>
+          <p:cNvPicPr>
+            <a:picLocks noChangeAspect="1"/>
+          </p:cNvPicPr>
+          <p:nvPr/>
+        </p:nvPicPr>
+        <p:blipFill>
+          <a:blip r:embed="rId4"/>
+          <a:stretch>
+            <a:fillRect/>
+          </a:stretch>
+        </p:blipFill>
+        <p:spPr>
+          <a:xfrm>
+            <a:off x="246951" y="4886140"/>
+            <a:ext cx="6830378" cy="847843"/>
+          </a:xfrm>
+          <a:prstGeom prst="rect">
+            <a:avLst/>
+          </a:prstGeom>
+        </p:spPr>
+      </p:pic>
+      <p:pic>
+        <p:nvPicPr>
+          <p:cNvPr id="10" name="그림 9">
+            <a:extLst>
+              <a:ext uri="{FF2B5EF4-FFF2-40B4-BE49-F238E27FC236}">
+                <a16:creationId xmlns:a16="http://schemas.microsoft.com/office/drawing/2014/main" id="{98089808-506C-4913-9378-822B0E635CFA}"/>
+              </a:ext>
+            </a:extLst>
+          </p:cNvPr>
+          <p:cNvPicPr>
+            <a:picLocks noChangeAspect="1"/>
+          </p:cNvPicPr>
+          <p:nvPr/>
+        </p:nvPicPr>
+        <p:blipFill>
+          <a:blip r:embed="rId5"/>
+          <a:stretch>
+            <a:fillRect/>
+          </a:stretch>
+        </p:blipFill>
+        <p:spPr>
+          <a:xfrm>
+            <a:off x="246951" y="5718235"/>
+            <a:ext cx="6820852" cy="857370"/>
           </a:xfrm>
           <a:prstGeom prst="rect">
             <a:avLst/>
@@ -3817,7 +4518,7 @@
     </p:spTree>
     <p:extLst>
       <p:ext uri="{BB962C8B-B14F-4D97-AF65-F5344CB8AC3E}">
-        <p14:creationId xmlns:p14="http://schemas.microsoft.com/office/powerpoint/2010/main" val="2534374662"/>
+        <p14:creationId xmlns:p14="http://schemas.microsoft.com/office/powerpoint/2010/main" val="146403683"/>
       </p:ext>
     </p:extLst>
   </p:cSld>
@@ -3973,7 +4674,7 @@
       </p:sp>
       <p:sp>
         <p:nvSpPr>
-          <p:cNvPr id="23" name="TextBox 22">
+          <p:cNvPr id="24" name="TextBox 23">
             <a:extLst>
               <a:ext uri="{FF2B5EF4-FFF2-40B4-BE49-F238E27FC236}">
                 <a16:creationId xmlns:a16="http://schemas.microsoft.com/office/drawing/2014/main" id="{706566D1-60CB-4C10-9859-0656D082B2B7}"/>
@@ -3985,8 +4686,8 @@
         </p:nvSpPr>
         <p:spPr>
           <a:xfrm>
-            <a:off x="69546" y="692696"/>
-            <a:ext cx="1918244" cy="369332"/>
+            <a:off x="110272" y="764704"/>
+            <a:ext cx="2200091" cy="369332"/>
           </a:xfrm>
           <a:prstGeom prst="rect">
             <a:avLst/>
@@ -4014,7 +4715,7 @@
                 <a:latin typeface="맑은 고딕" panose="020B0503020000020004" pitchFamily="50" charset="-127"/>
                 <a:ea typeface="맑은 고딕" panose="020B0503020000020004" pitchFamily="50" charset="-127"/>
               </a:rPr>
-              <a:t>Trello : </a:t>
+              <a:t>GitHub : </a:t>
             </a:r>
             <a:r>
               <a:rPr lang="ko-KR" altLang="en-US" b="1" dirty="0">
@@ -4046,13 +4747,7 @@
       </p:sp>
       <p:sp>
         <p:nvSpPr>
-          <p:cNvPr id="13" name="직사각형 12">
-            <a:extLst>
-              <a:ext uri="{FF2B5EF4-FFF2-40B4-BE49-F238E27FC236}">
-                <a16:creationId xmlns:a16="http://schemas.microsoft.com/office/drawing/2014/main" id="{75622C19-551A-48BE-9370-3BBDD13F2752}"/>
-              </a:ext>
-            </a:extLst>
-          </p:cNvPr>
+          <p:cNvPr id="39" name="직사각형 38"/>
           <p:cNvSpPr/>
           <p:nvPr/>
         </p:nvSpPr>
@@ -4093,7 +4788,7 @@
           <p:cNvPr id="3" name="그림 2">
             <a:extLst>
               <a:ext uri="{FF2B5EF4-FFF2-40B4-BE49-F238E27FC236}">
-                <a16:creationId xmlns:a16="http://schemas.microsoft.com/office/drawing/2014/main" id="{BCAD5FCE-7628-43ED-8B24-82E681795235}"/>
+                <a16:creationId xmlns:a16="http://schemas.microsoft.com/office/drawing/2014/main" id="{AAB765D5-483B-44CA-B3C8-98A1853985AF}"/>
               </a:ext>
             </a:extLst>
           </p:cNvPr>
@@ -4110,38 +4805,8 @@
         </p:blipFill>
         <p:spPr>
           <a:xfrm>
-            <a:off x="395536" y="1412776"/>
-            <a:ext cx="5544616" cy="4305901"/>
-          </a:xfrm>
-          <a:prstGeom prst="rect">
-            <a:avLst/>
-          </a:prstGeom>
-        </p:spPr>
-      </p:pic>
-      <p:pic>
-        <p:nvPicPr>
-          <p:cNvPr id="5" name="그림 4">
-            <a:extLst>
-              <a:ext uri="{FF2B5EF4-FFF2-40B4-BE49-F238E27FC236}">
-                <a16:creationId xmlns:a16="http://schemas.microsoft.com/office/drawing/2014/main" id="{649BF5CD-D607-497F-B480-BBEAE5D27DBB}"/>
-              </a:ext>
-            </a:extLst>
-          </p:cNvPr>
-          <p:cNvPicPr>
-            <a:picLocks noChangeAspect="1"/>
-          </p:cNvPicPr>
-          <p:nvPr/>
-        </p:nvPicPr>
-        <p:blipFill>
-          <a:blip r:embed="rId3"/>
-          <a:stretch>
-            <a:fillRect/>
-          </a:stretch>
-        </p:blipFill>
-        <p:spPr>
-          <a:xfrm>
-            <a:off x="6614566" y="1412776"/>
-            <a:ext cx="2133898" cy="4686954"/>
+            <a:off x="1548228" y="1412776"/>
+            <a:ext cx="6047543" cy="4854644"/>
           </a:xfrm>
           <a:prstGeom prst="rect">
             <a:avLst/>
@@ -4151,7 +4816,7 @@
     </p:spTree>
     <p:extLst>
       <p:ext uri="{BB962C8B-B14F-4D97-AF65-F5344CB8AC3E}">
-        <p14:creationId xmlns:p14="http://schemas.microsoft.com/office/powerpoint/2010/main" val="171378700"/>
+        <p14:creationId xmlns:p14="http://schemas.microsoft.com/office/powerpoint/2010/main" val="2534374662"/>
       </p:ext>
     </p:extLst>
   </p:cSld>
@@ -4427,7 +5092,7 @@
           <p:cNvPr id="3" name="그림 2">
             <a:extLst>
               <a:ext uri="{FF2B5EF4-FFF2-40B4-BE49-F238E27FC236}">
-                <a16:creationId xmlns:a16="http://schemas.microsoft.com/office/drawing/2014/main" id="{A08ACF37-48B6-46C5-88DD-A698E27AC3A0}"/>
+                <a16:creationId xmlns:a16="http://schemas.microsoft.com/office/drawing/2014/main" id="{BCAD5FCE-7628-43ED-8B24-82E681795235}"/>
               </a:ext>
             </a:extLst>
           </p:cNvPr>
@@ -4444,8 +5109,8 @@
         </p:blipFill>
         <p:spPr>
           <a:xfrm>
-            <a:off x="6660232" y="1473505"/>
-            <a:ext cx="2162477" cy="5039428"/>
+            <a:off x="395536" y="1412776"/>
+            <a:ext cx="5544616" cy="4305901"/>
           </a:xfrm>
           <a:prstGeom prst="rect">
             <a:avLst/>
@@ -4457,7 +5122,7 @@
           <p:cNvPr id="5" name="그림 4">
             <a:extLst>
               <a:ext uri="{FF2B5EF4-FFF2-40B4-BE49-F238E27FC236}">
-                <a16:creationId xmlns:a16="http://schemas.microsoft.com/office/drawing/2014/main" id="{3A283416-34F7-476D-9A0A-C28165201797}"/>
+                <a16:creationId xmlns:a16="http://schemas.microsoft.com/office/drawing/2014/main" id="{649BF5CD-D607-497F-B480-BBEAE5D27DBB}"/>
               </a:ext>
             </a:extLst>
           </p:cNvPr>
@@ -4474,8 +5139,8 @@
         </p:blipFill>
         <p:spPr>
           <a:xfrm>
-            <a:off x="827584" y="1353058"/>
-            <a:ext cx="4823405" cy="5142836"/>
+            <a:off x="6614566" y="1412776"/>
+            <a:ext cx="2133898" cy="4686954"/>
           </a:xfrm>
           <a:prstGeom prst="rect">
             <a:avLst/>
@@ -4485,7 +5150,7 @@
     </p:spTree>
     <p:extLst>
       <p:ext uri="{BB962C8B-B14F-4D97-AF65-F5344CB8AC3E}">
-        <p14:creationId xmlns:p14="http://schemas.microsoft.com/office/powerpoint/2010/main" val="2553538806"/>
+        <p14:creationId xmlns:p14="http://schemas.microsoft.com/office/powerpoint/2010/main" val="171378700"/>
       </p:ext>
     </p:extLst>
   </p:cSld>
@@ -4758,10 +5423,10 @@
       </p:sp>
       <p:pic>
         <p:nvPicPr>
-          <p:cNvPr id="8" name="그림 7">
+          <p:cNvPr id="3" name="그림 2">
             <a:extLst>
               <a:ext uri="{FF2B5EF4-FFF2-40B4-BE49-F238E27FC236}">
-                <a16:creationId xmlns:a16="http://schemas.microsoft.com/office/drawing/2014/main" id="{ED53981A-7817-4EB1-ADE4-E0301332D255}"/>
+                <a16:creationId xmlns:a16="http://schemas.microsoft.com/office/drawing/2014/main" id="{A08ACF37-48B6-46C5-88DD-A698E27AC3A0}"/>
               </a:ext>
             </a:extLst>
           </p:cNvPr>
@@ -4788,10 +5453,10 @@
       </p:pic>
       <p:pic>
         <p:nvPicPr>
-          <p:cNvPr id="4" name="그림 3">
+          <p:cNvPr id="5" name="그림 4">
             <a:extLst>
               <a:ext uri="{FF2B5EF4-FFF2-40B4-BE49-F238E27FC236}">
-                <a16:creationId xmlns:a16="http://schemas.microsoft.com/office/drawing/2014/main" id="{D60A4204-1D41-41AF-88C3-6CF64879F2ED}"/>
+                <a16:creationId xmlns:a16="http://schemas.microsoft.com/office/drawing/2014/main" id="{3A283416-34F7-476D-9A0A-C28165201797}"/>
               </a:ext>
             </a:extLst>
           </p:cNvPr>
@@ -4808,53 +5473,18 @@
         </p:blipFill>
         <p:spPr>
           <a:xfrm>
-            <a:off x="465346" y="1262577"/>
-            <a:ext cx="5849166" cy="5296639"/>
+            <a:off x="827584" y="1353058"/>
+            <a:ext cx="4823405" cy="5142836"/>
           </a:xfrm>
           <a:prstGeom prst="rect">
             <a:avLst/>
           </a:prstGeom>
-        </p:spPr>
-      </p:pic>
-      <p:pic>
-        <p:nvPicPr>
-          <p:cNvPr id="3" name="그림 2">
-            <a:extLst>
-              <a:ext uri="{FF2B5EF4-FFF2-40B4-BE49-F238E27FC236}">
-                <a16:creationId xmlns:a16="http://schemas.microsoft.com/office/drawing/2014/main" id="{957AF109-644D-4556-A62F-B46D11E2132C}"/>
-              </a:ext>
-            </a:extLst>
-          </p:cNvPr>
-          <p:cNvPicPr>
-            <a:picLocks noChangeAspect="1"/>
-          </p:cNvPicPr>
-          <p:nvPr/>
-        </p:nvPicPr>
-        <p:blipFill>
-          <a:blip r:embed="rId4"/>
-          <a:stretch>
-            <a:fillRect/>
-          </a:stretch>
-        </p:blipFill>
-        <p:spPr>
-          <a:xfrm>
-            <a:off x="2339752" y="3284984"/>
-            <a:ext cx="1400370" cy="2886478"/>
-          </a:xfrm>
-          <a:prstGeom prst="rect">
-            <a:avLst/>
-          </a:prstGeom>
-          <a:ln w="28575">
-            <a:solidFill>
-              <a:schemeClr val="accent1"/>
-            </a:solidFill>
-          </a:ln>
         </p:spPr>
       </p:pic>
     </p:spTree>
     <p:extLst>
       <p:ext uri="{BB962C8B-B14F-4D97-AF65-F5344CB8AC3E}">
-        <p14:creationId xmlns:p14="http://schemas.microsoft.com/office/powerpoint/2010/main" val="1436338525"/>
+        <p14:creationId xmlns:p14="http://schemas.microsoft.com/office/powerpoint/2010/main" val="2553538806"/>
       </p:ext>
     </p:extLst>
   </p:cSld>
@@ -5127,10 +5757,10 @@
       </p:sp>
       <p:pic>
         <p:nvPicPr>
-          <p:cNvPr id="6" name="그림 5">
+          <p:cNvPr id="8" name="그림 7">
             <a:extLst>
               <a:ext uri="{FF2B5EF4-FFF2-40B4-BE49-F238E27FC236}">
-                <a16:creationId xmlns:a16="http://schemas.microsoft.com/office/drawing/2014/main" id="{8D672AAE-E3DB-4FA4-9B2D-F0AB076FDD45}"/>
+                <a16:creationId xmlns:a16="http://schemas.microsoft.com/office/drawing/2014/main" id="{ED53981A-7817-4EB1-ADE4-E0301332D255}"/>
               </a:ext>
             </a:extLst>
           </p:cNvPr>
@@ -5157,10 +5787,10 @@
       </p:pic>
       <p:pic>
         <p:nvPicPr>
-          <p:cNvPr id="3" name="그림 2">
+          <p:cNvPr id="4" name="그림 3">
             <a:extLst>
               <a:ext uri="{FF2B5EF4-FFF2-40B4-BE49-F238E27FC236}">
-                <a16:creationId xmlns:a16="http://schemas.microsoft.com/office/drawing/2014/main" id="{671B4ACB-8B66-4243-9F45-043D2952EDEA}"/>
+                <a16:creationId xmlns:a16="http://schemas.microsoft.com/office/drawing/2014/main" id="{D60A4204-1D41-41AF-88C3-6CF64879F2ED}"/>
               </a:ext>
             </a:extLst>
           </p:cNvPr>
@@ -5177,18 +5807,53 @@
         </p:blipFill>
         <p:spPr>
           <a:xfrm>
-            <a:off x="611560" y="1621163"/>
-            <a:ext cx="5811061" cy="4744112"/>
+            <a:off x="465346" y="1262577"/>
+            <a:ext cx="5849166" cy="5296639"/>
           </a:xfrm>
           <a:prstGeom prst="rect">
             <a:avLst/>
           </a:prstGeom>
+        </p:spPr>
+      </p:pic>
+      <p:pic>
+        <p:nvPicPr>
+          <p:cNvPr id="3" name="그림 2">
+            <a:extLst>
+              <a:ext uri="{FF2B5EF4-FFF2-40B4-BE49-F238E27FC236}">
+                <a16:creationId xmlns:a16="http://schemas.microsoft.com/office/drawing/2014/main" id="{957AF109-644D-4556-A62F-B46D11E2132C}"/>
+              </a:ext>
+            </a:extLst>
+          </p:cNvPr>
+          <p:cNvPicPr>
+            <a:picLocks noChangeAspect="1"/>
+          </p:cNvPicPr>
+          <p:nvPr/>
+        </p:nvPicPr>
+        <p:blipFill>
+          <a:blip r:embed="rId4"/>
+          <a:stretch>
+            <a:fillRect/>
+          </a:stretch>
+        </p:blipFill>
+        <p:spPr>
+          <a:xfrm>
+            <a:off x="2339752" y="3284984"/>
+            <a:ext cx="1400370" cy="2886478"/>
+          </a:xfrm>
+          <a:prstGeom prst="rect">
+            <a:avLst/>
+          </a:prstGeom>
+          <a:ln w="28575">
+            <a:solidFill>
+              <a:schemeClr val="accent1"/>
+            </a:solidFill>
+          </a:ln>
         </p:spPr>
       </p:pic>
     </p:spTree>
     <p:extLst>
       <p:ext uri="{BB962C8B-B14F-4D97-AF65-F5344CB8AC3E}">
-        <p14:creationId xmlns:p14="http://schemas.microsoft.com/office/powerpoint/2010/main" val="925233936"/>
+        <p14:creationId xmlns:p14="http://schemas.microsoft.com/office/powerpoint/2010/main" val="1436338525"/>
       </p:ext>
     </p:extLst>
   </p:cSld>
@@ -5464,7 +6129,7 @@
           <p:cNvPr id="6" name="그림 5">
             <a:extLst>
               <a:ext uri="{FF2B5EF4-FFF2-40B4-BE49-F238E27FC236}">
-                <a16:creationId xmlns:a16="http://schemas.microsoft.com/office/drawing/2014/main" id="{956E637A-7B9A-41BC-AE91-2B4289080336}"/>
+                <a16:creationId xmlns:a16="http://schemas.microsoft.com/office/drawing/2014/main" id="{8D672AAE-E3DB-4FA4-9B2D-F0AB076FDD45}"/>
               </a:ext>
             </a:extLst>
           </p:cNvPr>
@@ -5491,10 +6156,10 @@
       </p:pic>
       <p:pic>
         <p:nvPicPr>
-          <p:cNvPr id="5" name="그림 4">
+          <p:cNvPr id="3" name="그림 2">
             <a:extLst>
               <a:ext uri="{FF2B5EF4-FFF2-40B4-BE49-F238E27FC236}">
-                <a16:creationId xmlns:a16="http://schemas.microsoft.com/office/drawing/2014/main" id="{105290C8-98C5-4DED-A651-E05165CD71C1}"/>
+                <a16:creationId xmlns:a16="http://schemas.microsoft.com/office/drawing/2014/main" id="{671B4ACB-8B66-4243-9F45-043D2952EDEA}"/>
               </a:ext>
             </a:extLst>
           </p:cNvPr>
@@ -5511,53 +6176,18 @@
         </p:blipFill>
         <p:spPr>
           <a:xfrm>
-            <a:off x="491806" y="1406820"/>
-            <a:ext cx="5820587" cy="5172797"/>
+            <a:off x="611560" y="1621163"/>
+            <a:ext cx="5811061" cy="4744112"/>
           </a:xfrm>
           <a:prstGeom prst="rect">
             <a:avLst/>
           </a:prstGeom>
-        </p:spPr>
-      </p:pic>
-      <p:pic>
-        <p:nvPicPr>
-          <p:cNvPr id="3" name="그림 2">
-            <a:extLst>
-              <a:ext uri="{FF2B5EF4-FFF2-40B4-BE49-F238E27FC236}">
-                <a16:creationId xmlns:a16="http://schemas.microsoft.com/office/drawing/2014/main" id="{E4E429AE-FBF4-4028-A037-A4723BCC4396}"/>
-              </a:ext>
-            </a:extLst>
-          </p:cNvPr>
-          <p:cNvPicPr>
-            <a:picLocks noChangeAspect="1"/>
-          </p:cNvPicPr>
-          <p:nvPr/>
-        </p:nvPicPr>
-        <p:blipFill>
-          <a:blip r:embed="rId4"/>
-          <a:stretch>
-            <a:fillRect/>
-          </a:stretch>
-        </p:blipFill>
-        <p:spPr>
-          <a:xfrm>
-            <a:off x="2596140" y="3429000"/>
-            <a:ext cx="1781424" cy="1914792"/>
-          </a:xfrm>
-          <a:prstGeom prst="rect">
-            <a:avLst/>
-          </a:prstGeom>
-          <a:ln w="19050">
-            <a:solidFill>
-              <a:schemeClr val="accent1"/>
-            </a:solidFill>
-          </a:ln>
         </p:spPr>
       </p:pic>
     </p:spTree>
     <p:extLst>
       <p:ext uri="{BB962C8B-B14F-4D97-AF65-F5344CB8AC3E}">
-        <p14:creationId xmlns:p14="http://schemas.microsoft.com/office/powerpoint/2010/main" val="501746381"/>
+        <p14:creationId xmlns:p14="http://schemas.microsoft.com/office/powerpoint/2010/main" val="925233936"/>
       </p:ext>
     </p:extLst>
   </p:cSld>
@@ -5860,10 +6490,10 @@
       </p:pic>
       <p:pic>
         <p:nvPicPr>
-          <p:cNvPr id="3" name="그림 2">
+          <p:cNvPr id="5" name="그림 4">
             <a:extLst>
               <a:ext uri="{FF2B5EF4-FFF2-40B4-BE49-F238E27FC236}">
-                <a16:creationId xmlns:a16="http://schemas.microsoft.com/office/drawing/2014/main" id="{D4DDC597-AC13-4C31-BA57-461787712635}"/>
+                <a16:creationId xmlns:a16="http://schemas.microsoft.com/office/drawing/2014/main" id="{105290C8-98C5-4DED-A651-E05165CD71C1}"/>
               </a:ext>
             </a:extLst>
           </p:cNvPr>
@@ -5880,18 +6510,53 @@
         </p:blipFill>
         <p:spPr>
           <a:xfrm>
-            <a:off x="515621" y="1681686"/>
-            <a:ext cx="5772956" cy="4439270"/>
+            <a:off x="491806" y="1406820"/>
+            <a:ext cx="5820587" cy="5172797"/>
           </a:xfrm>
           <a:prstGeom prst="rect">
             <a:avLst/>
           </a:prstGeom>
+        </p:spPr>
+      </p:pic>
+      <p:pic>
+        <p:nvPicPr>
+          <p:cNvPr id="3" name="그림 2">
+            <a:extLst>
+              <a:ext uri="{FF2B5EF4-FFF2-40B4-BE49-F238E27FC236}">
+                <a16:creationId xmlns:a16="http://schemas.microsoft.com/office/drawing/2014/main" id="{E4E429AE-FBF4-4028-A037-A4723BCC4396}"/>
+              </a:ext>
+            </a:extLst>
+          </p:cNvPr>
+          <p:cNvPicPr>
+            <a:picLocks noChangeAspect="1"/>
+          </p:cNvPicPr>
+          <p:nvPr/>
+        </p:nvPicPr>
+        <p:blipFill>
+          <a:blip r:embed="rId4"/>
+          <a:stretch>
+            <a:fillRect/>
+          </a:stretch>
+        </p:blipFill>
+        <p:spPr>
+          <a:xfrm>
+            <a:off x="2596140" y="3429000"/>
+            <a:ext cx="1781424" cy="1914792"/>
+          </a:xfrm>
+          <a:prstGeom prst="rect">
+            <a:avLst/>
+          </a:prstGeom>
+          <a:ln w="19050">
+            <a:solidFill>
+              <a:schemeClr val="accent1"/>
+            </a:solidFill>
+          </a:ln>
         </p:spPr>
       </p:pic>
     </p:spTree>
     <p:extLst>
       <p:ext uri="{BB962C8B-B14F-4D97-AF65-F5344CB8AC3E}">
-        <p14:creationId xmlns:p14="http://schemas.microsoft.com/office/powerpoint/2010/main" val="2790664769"/>
+        <p14:creationId xmlns:p14="http://schemas.microsoft.com/office/powerpoint/2010/main" val="501746381"/>
       </p:ext>
     </p:extLst>
   </p:cSld>
@@ -6197,7 +6862,7 @@
           <p:cNvPr id="3" name="그림 2">
             <a:extLst>
               <a:ext uri="{FF2B5EF4-FFF2-40B4-BE49-F238E27FC236}">
-                <a16:creationId xmlns:a16="http://schemas.microsoft.com/office/drawing/2014/main" id="{5CF46E96-3D4D-4F2D-8B9C-BB51B75135EC}"/>
+                <a16:creationId xmlns:a16="http://schemas.microsoft.com/office/drawing/2014/main" id="{D4DDC597-AC13-4C31-BA57-461787712635}"/>
               </a:ext>
             </a:extLst>
           </p:cNvPr>
@@ -6214,8 +6879,8 @@
         </p:blipFill>
         <p:spPr>
           <a:xfrm>
-            <a:off x="698649" y="1364034"/>
-            <a:ext cx="5782482" cy="4801270"/>
+            <a:off x="515621" y="1681686"/>
+            <a:ext cx="5772956" cy="4439270"/>
           </a:xfrm>
           <a:prstGeom prst="rect">
             <a:avLst/>
@@ -6225,7 +6890,7 @@
     </p:spTree>
     <p:extLst>
       <p:ext uri="{BB962C8B-B14F-4D97-AF65-F5344CB8AC3E}">
-        <p14:creationId xmlns:p14="http://schemas.microsoft.com/office/powerpoint/2010/main" val="936818267"/>
+        <p14:creationId xmlns:p14="http://schemas.microsoft.com/office/powerpoint/2010/main" val="2790664769"/>
       </p:ext>
     </p:extLst>
   </p:cSld>
